--- a/database/slides/LORD_HAVE_MERCY_(MAHIM).pptx
+++ b/database/slides/LORD_HAVE_MERCY_(MAHIM).pptx
@@ -765,7 +765,7 @@
             </a:pPr>
             <a:r>
               <a:rPr lang="en-US"/>
-              <a:t>RECEIPPT-TAGS:LHM</a:t>
+              <a:t>RECEIPPT-TAGS:LORD HAVE MERCY</a:t>
             </a:r>
           </a:p>
         </p:txBody>
